--- a/Introdução ao ReactJS.pptx
+++ b/Introdução ao ReactJS.pptx
@@ -7981,7 +7981,7 @@
               <a:buNone/>
             </a:pPr>
             <a:r>
-              <a:rPr lang="pt-BR" sz="3600" dirty="0">
+              <a:rPr lang="pt-BR" sz="2800" dirty="0">
                 <a:solidFill>
                   <a:schemeClr val="bg1">
                     <a:lumMod val="65000"/>
@@ -7991,7 +7991,7 @@
               <a:t>https://</a:t>
             </a:r>
             <a:r>
-              <a:rPr lang="pt-BR" sz="3600" dirty="0"/>
+              <a:rPr lang="pt-BR" sz="2800" dirty="0"/>
               <a:t>github.com/mach3k/</a:t>
             </a:r>
           </a:p>
@@ -8000,20 +8000,13 @@
               <a:buNone/>
             </a:pPr>
             <a:r>
-              <a:rPr lang="pt-BR" sz="2500" dirty="0" err="1"/>
-              <a:t>cloneInsta</a:t>
-            </a:r>
-            <a:endParaRPr lang="pt-BR" sz="2500" dirty="0"/>
-          </a:p>
-          <a:p>
-            <a:pPr marL="0" indent="0" algn="ctr">
-              <a:buNone/>
-            </a:pPr>
-            <a:r>
-              <a:rPr lang="pt-BR" sz="2500" dirty="0" err="1"/>
-              <a:t>blogReactJS</a:t>
-            </a:r>
-            <a:endParaRPr lang="pt-BR" sz="2500" dirty="0"/>
+              <a:rPr lang="pt-BR" sz="4000" dirty="0">
+                <a:solidFill>
+                  <a:srgbClr val="0070C0"/>
+                </a:solidFill>
+              </a:rPr>
+              <a:t>eTic2019ReactJS</a:t>
+            </a:r>
           </a:p>
         </p:txBody>
       </p:sp>
